--- a/prototipo/img/logo3.pptx
+++ b/prototipo/img/logo3.pptx
@@ -6,7 +6,9 @@
   </p:sldMasterIdLst>
   <p:sldIdLst>
     <p:sldId id="256" r:id="rId2"/>
-    <p:sldId id="257" r:id="rId3"/>
+    <p:sldId id="259" r:id="rId3"/>
+    <p:sldId id="257" r:id="rId4"/>
+    <p:sldId id="258" r:id="rId5"/>
   </p:sldIdLst>
   <p:sldSz cx="9144000" cy="6858000" type="screen4x3"/>
   <p:notesSz cx="6858000" cy="9144000"/>
@@ -289,7 +291,7 @@
           <a:p>
             <a:fld id="{3CEE20CD-5F9C-47BC-93A6-67466E8F1652}" type="datetimeFigureOut">
               <a:rPr lang="pt-BR" smtClean="0"/>
-              <a:t>10/05/2020</a:t>
+              <a:t>01/11/2020</a:t>
             </a:fld>
             <a:endParaRPr lang="pt-BR"/>
           </a:p>
@@ -459,7 +461,7 @@
           <a:p>
             <a:fld id="{3CEE20CD-5F9C-47BC-93A6-67466E8F1652}" type="datetimeFigureOut">
               <a:rPr lang="pt-BR" smtClean="0"/>
-              <a:t>10/05/2020</a:t>
+              <a:t>01/11/2020</a:t>
             </a:fld>
             <a:endParaRPr lang="pt-BR"/>
           </a:p>
@@ -639,7 +641,7 @@
           <a:p>
             <a:fld id="{3CEE20CD-5F9C-47BC-93A6-67466E8F1652}" type="datetimeFigureOut">
               <a:rPr lang="pt-BR" smtClean="0"/>
-              <a:t>10/05/2020</a:t>
+              <a:t>01/11/2020</a:t>
             </a:fld>
             <a:endParaRPr lang="pt-BR"/>
           </a:p>
@@ -809,7 +811,7 @@
           <a:p>
             <a:fld id="{3CEE20CD-5F9C-47BC-93A6-67466E8F1652}" type="datetimeFigureOut">
               <a:rPr lang="pt-BR" smtClean="0"/>
-              <a:t>10/05/2020</a:t>
+              <a:t>01/11/2020</a:t>
             </a:fld>
             <a:endParaRPr lang="pt-BR"/>
           </a:p>
@@ -1055,7 +1057,7 @@
           <a:p>
             <a:fld id="{3CEE20CD-5F9C-47BC-93A6-67466E8F1652}" type="datetimeFigureOut">
               <a:rPr lang="pt-BR" smtClean="0"/>
-              <a:t>10/05/2020</a:t>
+              <a:t>01/11/2020</a:t>
             </a:fld>
             <a:endParaRPr lang="pt-BR"/>
           </a:p>
@@ -1343,7 +1345,7 @@
           <a:p>
             <a:fld id="{3CEE20CD-5F9C-47BC-93A6-67466E8F1652}" type="datetimeFigureOut">
               <a:rPr lang="pt-BR" smtClean="0"/>
-              <a:t>10/05/2020</a:t>
+              <a:t>01/11/2020</a:t>
             </a:fld>
             <a:endParaRPr lang="pt-BR"/>
           </a:p>
@@ -1765,7 +1767,7 @@
           <a:p>
             <a:fld id="{3CEE20CD-5F9C-47BC-93A6-67466E8F1652}" type="datetimeFigureOut">
               <a:rPr lang="pt-BR" smtClean="0"/>
-              <a:t>10/05/2020</a:t>
+              <a:t>01/11/2020</a:t>
             </a:fld>
             <a:endParaRPr lang="pt-BR"/>
           </a:p>
@@ -1883,7 +1885,7 @@
           <a:p>
             <a:fld id="{3CEE20CD-5F9C-47BC-93A6-67466E8F1652}" type="datetimeFigureOut">
               <a:rPr lang="pt-BR" smtClean="0"/>
-              <a:t>10/05/2020</a:t>
+              <a:t>01/11/2020</a:t>
             </a:fld>
             <a:endParaRPr lang="pt-BR"/>
           </a:p>
@@ -1978,7 +1980,7 @@
           <a:p>
             <a:fld id="{3CEE20CD-5F9C-47BC-93A6-67466E8F1652}" type="datetimeFigureOut">
               <a:rPr lang="pt-BR" smtClean="0"/>
-              <a:t>10/05/2020</a:t>
+              <a:t>01/11/2020</a:t>
             </a:fld>
             <a:endParaRPr lang="pt-BR"/>
           </a:p>
@@ -2255,7 +2257,7 @@
           <a:p>
             <a:fld id="{3CEE20CD-5F9C-47BC-93A6-67466E8F1652}" type="datetimeFigureOut">
               <a:rPr lang="pt-BR" smtClean="0"/>
-              <a:t>10/05/2020</a:t>
+              <a:t>01/11/2020</a:t>
             </a:fld>
             <a:endParaRPr lang="pt-BR"/>
           </a:p>
@@ -2508,7 +2510,7 @@
           <a:p>
             <a:fld id="{3CEE20CD-5F9C-47BC-93A6-67466E8F1652}" type="datetimeFigureOut">
               <a:rPr lang="pt-BR" smtClean="0"/>
-              <a:t>10/05/2020</a:t>
+              <a:t>01/11/2020</a:t>
             </a:fld>
             <a:endParaRPr lang="pt-BR"/>
           </a:p>
@@ -2573,12 +2575,9 @@
 <p:sldMaster xmlns:a="http://schemas.openxmlformats.org/drawingml/2006/main" xmlns:r="http://schemas.openxmlformats.org/officeDocument/2006/relationships" xmlns:p="http://schemas.openxmlformats.org/presentationml/2006/main">
   <p:cSld>
     <p:bg>
-      <p:bgPr>
-        <a:solidFill>
-          <a:srgbClr val="000046"/>
-        </a:solidFill>
-        <a:effectLst/>
-      </p:bgPr>
+      <p:bgRef idx="1001">
+        <a:schemeClr val="bg1"/>
+      </p:bgRef>
     </p:bg>
     <p:spTree>
       <p:nvGrpSpPr>
@@ -2724,7 +2723,7 @@
           <a:p>
             <a:fld id="{3CEE20CD-5F9C-47BC-93A6-67466E8F1652}" type="datetimeFigureOut">
               <a:rPr lang="pt-BR" smtClean="0"/>
-              <a:t>10/05/2020</a:t>
+              <a:t>01/11/2020</a:t>
             </a:fld>
             <a:endParaRPr lang="pt-BR"/>
           </a:p>
@@ -3085,14 +3084,6 @@
 <file path=ppt/slides/slide1.xml><?xml version="1.0" encoding="utf-8"?>
 <p:sld xmlns:a="http://schemas.openxmlformats.org/drawingml/2006/main" xmlns:r="http://schemas.openxmlformats.org/officeDocument/2006/relationships" xmlns:p="http://schemas.openxmlformats.org/presentationml/2006/main">
   <p:cSld>
-    <p:bg>
-      <p:bgPr>
-        <a:solidFill>
-          <a:srgbClr val="000046"/>
-        </a:solidFill>
-        <a:effectLst/>
-      </p:bgPr>
-    </p:bg>
     <p:spTree>
       <p:nvGrpSpPr>
         <p:cNvPr id="1" name=""/>
@@ -3122,11 +3113,11 @@
             <a:avLst/>
           </a:prstGeom>
           <a:solidFill>
-            <a:srgbClr val="000050"/>
+            <a:schemeClr val="bg1"/>
           </a:solidFill>
           <a:ln w="95250" cmpd="sng">
             <a:solidFill>
-              <a:schemeClr val="bg1"/>
+              <a:srgbClr val="000050"/>
             </a:solidFill>
           </a:ln>
         </p:spPr>
@@ -3172,7 +3163,7 @@
           <a:noFill/>
           <a:ln w="57150">
             <a:solidFill>
-              <a:schemeClr val="bg1"/>
+              <a:srgbClr val="00003A"/>
             </a:solidFill>
           </a:ln>
         </p:spPr>
@@ -3186,7 +3177,7 @@
             <a:r>
               <a:rPr lang="pt-BR" sz="7500" b="1" dirty="0" smtClean="0">
                 <a:solidFill>
-                  <a:schemeClr val="bg1"/>
+                  <a:srgbClr val="000046"/>
                 </a:solidFill>
                 <a:latin typeface="Bell MT" panose="02020503060305020303" pitchFamily="18" charset="0"/>
               </a:rPr>
@@ -3194,7 +3185,7 @@
             </a:r>
             <a:endParaRPr lang="pt-BR" sz="7500" b="1" dirty="0">
               <a:solidFill>
-                <a:schemeClr val="bg1"/>
+                <a:srgbClr val="000046"/>
               </a:solidFill>
               <a:latin typeface="Bell MT" panose="02020503060305020303" pitchFamily="18" charset="0"/>
             </a:endParaRPr>
@@ -3216,11 +3207,11 @@
             <a:avLst/>
           </a:prstGeom>
           <a:solidFill>
-            <a:srgbClr val="000050"/>
+            <a:schemeClr val="bg1"/>
           </a:solidFill>
           <a:ln w="95250" cmpd="sng">
             <a:solidFill>
-              <a:schemeClr val="bg1"/>
+              <a:srgbClr val="000050"/>
             </a:solidFill>
           </a:ln>
         </p:spPr>
@@ -3264,11 +3255,11 @@
             <a:avLst/>
           </a:prstGeom>
           <a:solidFill>
-            <a:srgbClr val="000050"/>
+            <a:schemeClr val="bg1"/>
           </a:solidFill>
           <a:ln w="95250" cmpd="sng">
             <a:solidFill>
-              <a:schemeClr val="bg1"/>
+              <a:srgbClr val="000050"/>
             </a:solidFill>
           </a:ln>
         </p:spPr>
@@ -3313,7 +3304,7 @@
           </a:prstGeom>
           <a:ln w="95250">
             <a:solidFill>
-              <a:schemeClr val="bg1"/>
+              <a:srgbClr val="000050"/>
             </a:solidFill>
           </a:ln>
         </p:spPr>
@@ -3348,7 +3339,7 @@
           </a:prstGeom>
           <a:ln w="95250">
             <a:solidFill>
-              <a:schemeClr val="bg1"/>
+              <a:srgbClr val="000050"/>
             </a:solidFill>
           </a:ln>
         </p:spPr>
@@ -3383,7 +3374,7 @@
           </a:prstGeom>
           <a:ln w="95250">
             <a:solidFill>
-              <a:schemeClr val="bg1"/>
+              <a:srgbClr val="000050"/>
             </a:solidFill>
           </a:ln>
         </p:spPr>
@@ -3418,7 +3409,7 @@
           </a:prstGeom>
           <a:ln w="95250">
             <a:solidFill>
-              <a:schemeClr val="bg1"/>
+              <a:srgbClr val="000050"/>
             </a:solidFill>
           </a:ln>
         </p:spPr>
@@ -3500,11 +3491,11 @@
             <a:avLst/>
           </a:prstGeom>
           <a:solidFill>
-            <a:schemeClr val="bg1"/>
+            <a:srgbClr val="000046"/>
           </a:solidFill>
           <a:ln>
             <a:solidFill>
-              <a:schemeClr val="bg1"/>
+              <a:srgbClr val="000050"/>
             </a:solidFill>
           </a:ln>
         </p:spPr>
@@ -3548,11 +3539,11 @@
             <a:avLst/>
           </a:prstGeom>
           <a:solidFill>
-            <a:schemeClr val="bg1"/>
+            <a:srgbClr val="000046"/>
           </a:solidFill>
           <a:ln>
             <a:solidFill>
-              <a:schemeClr val="bg1"/>
+              <a:srgbClr val="000050"/>
             </a:solidFill>
           </a:ln>
         </p:spPr>
@@ -3596,11 +3587,11 @@
             <a:avLst/>
           </a:prstGeom>
           <a:solidFill>
-            <a:schemeClr val="bg1"/>
+            <a:srgbClr val="000046"/>
           </a:solidFill>
           <a:ln>
             <a:solidFill>
-              <a:schemeClr val="bg1"/>
+              <a:srgbClr val="000050"/>
             </a:solidFill>
           </a:ln>
         </p:spPr>
@@ -3644,11 +3635,11 @@
             <a:avLst/>
           </a:prstGeom>
           <a:solidFill>
-            <a:schemeClr val="bg1"/>
+            <a:srgbClr val="000046"/>
           </a:solidFill>
           <a:ln>
             <a:solidFill>
-              <a:schemeClr val="bg1"/>
+              <a:srgbClr val="000050"/>
             </a:solidFill>
           </a:ln>
         </p:spPr>
@@ -3692,13 +3683,11 @@
             <a:avLst/>
           </a:prstGeom>
           <a:solidFill>
-            <a:schemeClr val="bg1"/>
+            <a:srgbClr val="000046"/>
           </a:solidFill>
           <a:ln>
             <a:solidFill>
-              <a:schemeClr val="bg1">
-                <a:lumMod val="75000"/>
-              </a:schemeClr>
+              <a:srgbClr val="000050"/>
             </a:solidFill>
           </a:ln>
         </p:spPr>
@@ -3759,6 +3748,161 @@
       </p:grpSpPr>
       <p:sp>
         <p:nvSpPr>
+          <p:cNvPr id="1033" name="Elipse 1032"/>
+          <p:cNvSpPr/>
+          <p:nvPr/>
+        </p:nvSpPr>
+        <p:spPr>
+          <a:xfrm>
+            <a:off x="4297615" y="1862127"/>
+            <a:ext cx="360000" cy="324000"/>
+          </a:xfrm>
+          <a:prstGeom prst="ellipse">
+            <a:avLst/>
+          </a:prstGeom>
+          <a:solidFill>
+            <a:schemeClr val="bg1"/>
+          </a:solidFill>
+          <a:ln>
+            <a:solidFill>
+              <a:schemeClr val="bg1"/>
+            </a:solidFill>
+          </a:ln>
+        </p:spPr>
+        <p:style>
+          <a:lnRef idx="2">
+            <a:schemeClr val="accent1">
+              <a:shade val="50000"/>
+            </a:schemeClr>
+          </a:lnRef>
+          <a:fillRef idx="1">
+            <a:schemeClr val="accent1"/>
+          </a:fillRef>
+          <a:effectRef idx="0">
+            <a:schemeClr val="accent1"/>
+          </a:effectRef>
+          <a:fontRef idx="minor">
+            <a:schemeClr val="lt1"/>
+          </a:fontRef>
+        </p:style>
+        <p:txBody>
+          <a:bodyPr rtlCol="0" anchor="ctr"/>
+          <a:lstStyle/>
+          <a:p>
+            <a:pPr algn="ctr"/>
+            <a:endParaRPr lang="pt-BR"/>
+          </a:p>
+        </p:txBody>
+      </p:sp>
+      <p:pic>
+        <p:nvPicPr>
+          <p:cNvPr id="6" name="Imagem 5"/>
+          <p:cNvPicPr>
+            <a:picLocks noChangeAspect="1"/>
+          </p:cNvPicPr>
+          <p:nvPr/>
+        </p:nvPicPr>
+        <p:blipFill rotWithShape="1">
+          <a:blip r:embed="rId2">
+            <a:extLst>
+              <a:ext uri="{28A0092B-C50C-407E-A947-70E740481C1C}">
+                <a14:useLocalDpi xmlns:a14="http://schemas.microsoft.com/office/drawing/2010/main" val="0"/>
+              </a:ext>
+            </a:extLst>
+          </a:blip>
+          <a:srcRect l="33556" t="7730" r="34808" b="50000"/>
+          <a:stretch/>
+        </p:blipFill>
+        <p:spPr>
+          <a:xfrm>
+            <a:off x="179512" y="1845732"/>
+            <a:ext cx="2520280" cy="2525610"/>
+          </a:xfrm>
+          <a:prstGeom prst="rect">
+            <a:avLst/>
+          </a:prstGeom>
+        </p:spPr>
+      </p:pic>
+      <p:sp>
+        <p:nvSpPr>
+          <p:cNvPr id="7" name="Retângulo 6"/>
+          <p:cNvSpPr/>
+          <p:nvPr/>
+        </p:nvSpPr>
+        <p:spPr>
+          <a:xfrm>
+            <a:off x="2483768" y="2603731"/>
+            <a:ext cx="6823884" cy="923330"/>
+          </a:xfrm>
+          <a:prstGeom prst="rect">
+            <a:avLst/>
+          </a:prstGeom>
+        </p:spPr>
+        <p:txBody>
+          <a:bodyPr wrap="square">
+            <a:spAutoFit/>
+          </a:bodyPr>
+          <a:lstStyle/>
+          <a:p>
+            <a:pPr algn="ctr"/>
+            <a:r>
+              <a:rPr lang="pt-BR" sz="5400" b="1" dirty="0">
+                <a:solidFill>
+                  <a:srgbClr val="000046"/>
+                </a:solidFill>
+                <a:latin typeface="Bell MT" panose="02020503060305020303" pitchFamily="18" charset="0"/>
+              </a:rPr>
+              <a:t>Química de Materiais</a:t>
+            </a:r>
+            <a:endParaRPr lang="pt-BR" sz="5400" b="1" dirty="0">
+              <a:solidFill>
+                <a:srgbClr val="000046"/>
+              </a:solidFill>
+              <a:latin typeface="Bell MT" panose="02020503060305020303" pitchFamily="18" charset="0"/>
+            </a:endParaRPr>
+          </a:p>
+        </p:txBody>
+      </p:sp>
+    </p:spTree>
+    <p:extLst>
+      <p:ext uri="{BB962C8B-B14F-4D97-AF65-F5344CB8AC3E}">
+        <p14:creationId xmlns:p14="http://schemas.microsoft.com/office/powerpoint/2010/main" val="2536853550"/>
+      </p:ext>
+    </p:extLst>
+  </p:cSld>
+  <p:clrMapOvr>
+    <a:masterClrMapping/>
+  </p:clrMapOvr>
+</p:sld>
+</file>
+
+<file path=ppt/slides/slide3.xml><?xml version="1.0" encoding="utf-8"?>
+<p:sld xmlns:a="http://schemas.openxmlformats.org/drawingml/2006/main" xmlns:r="http://schemas.openxmlformats.org/officeDocument/2006/relationships" xmlns:p="http://schemas.openxmlformats.org/presentationml/2006/main">
+  <p:cSld>
+    <p:bg>
+      <p:bgPr>
+        <a:solidFill>
+          <a:srgbClr val="000050"/>
+        </a:solidFill>
+        <a:effectLst/>
+      </p:bgPr>
+    </p:bg>
+    <p:spTree>
+      <p:nvGrpSpPr>
+        <p:cNvPr id="1" name=""/>
+        <p:cNvGrpSpPr/>
+        <p:nvPr/>
+      </p:nvGrpSpPr>
+      <p:grpSpPr>
+        <a:xfrm>
+          <a:off x="0" y="0"/>
+          <a:ext cx="0" cy="0"/>
+          <a:chOff x="0" y="0"/>
+          <a:chExt cx="0" cy="0"/>
+        </a:xfrm>
+      </p:grpSpPr>
+      <p:sp>
+        <p:nvSpPr>
           <p:cNvPr id="4" name="Elipse 3"/>
           <p:cNvSpPr/>
           <p:nvPr/>
@@ -4285,6 +4429,300 @@
     <p:extLst>
       <p:ext uri="{BB962C8B-B14F-4D97-AF65-F5344CB8AC3E}">
         <p14:creationId xmlns:p14="http://schemas.microsoft.com/office/powerpoint/2010/main" val="1453397085"/>
+      </p:ext>
+    </p:extLst>
+  </p:cSld>
+  <p:clrMapOvr>
+    <a:masterClrMapping/>
+  </p:clrMapOvr>
+</p:sld>
+</file>
+
+<file path=ppt/slides/slide4.xml><?xml version="1.0" encoding="utf-8"?>
+<p:sld xmlns:a="http://schemas.openxmlformats.org/drawingml/2006/main" xmlns:r="http://schemas.openxmlformats.org/officeDocument/2006/relationships" xmlns:p="http://schemas.openxmlformats.org/presentationml/2006/main">
+  <p:cSld>
+    <p:spTree>
+      <p:nvGrpSpPr>
+        <p:cNvPr id="1" name=""/>
+        <p:cNvGrpSpPr/>
+        <p:nvPr/>
+      </p:nvGrpSpPr>
+      <p:grpSpPr>
+        <a:xfrm>
+          <a:off x="0" y="0"/>
+          <a:ext cx="0" cy="0"/>
+          <a:chOff x="0" y="0"/>
+          <a:chExt cx="0" cy="0"/>
+        </a:xfrm>
+      </p:grpSpPr>
+      <p:sp>
+        <p:nvSpPr>
+          <p:cNvPr id="4" name="AutoShape 2" descr="Cilindros graduados, tubos de ensaio, outros, cdr, texto, outros png |  PNGWing"/>
+          <p:cNvSpPr>
+            <a:spLocks noChangeAspect="1" noChangeArrowheads="1"/>
+          </p:cNvSpPr>
+          <p:nvPr/>
+        </p:nvSpPr>
+        <p:spPr bwMode="auto">
+          <a:xfrm>
+            <a:off x="155575" y="-144463"/>
+            <a:ext cx="304800" cy="304801"/>
+          </a:xfrm>
+          <a:prstGeom prst="rect">
+            <a:avLst/>
+          </a:prstGeom>
+          <a:noFill/>
+          <a:extLst>
+            <a:ext uri="{909E8E84-426E-40DD-AFC4-6F175D3DCCD1}">
+              <a14:hiddenFill xmlns:a14="http://schemas.microsoft.com/office/drawing/2010/main">
+                <a:solidFill>
+                  <a:srgbClr val="FFFFFF"/>
+                </a:solidFill>
+              </a14:hiddenFill>
+            </a:ext>
+          </a:extLst>
+        </p:spPr>
+        <p:txBody>
+          <a:bodyPr vert="horz" wrap="square" lIns="91440" tIns="45720" rIns="91440" bIns="45720" numCol="1" anchor="t" anchorCtr="0" compatLnSpc="1">
+            <a:prstTxWarp prst="textNoShape">
+              <a:avLst/>
+            </a:prstTxWarp>
+          </a:bodyPr>
+          <a:lstStyle/>
+          <a:p>
+            <a:endParaRPr lang="pt-BR"/>
+          </a:p>
+        </p:txBody>
+      </p:sp>
+      <p:sp>
+        <p:nvSpPr>
+          <p:cNvPr id="5" name="AutoShape 4" descr="Cilindros graduados, tubos de ensaio, outros, cdr, texto, outros png |  PNGWing"/>
+          <p:cNvSpPr>
+            <a:spLocks noChangeAspect="1" noChangeArrowheads="1"/>
+          </p:cNvSpPr>
+          <p:nvPr/>
+        </p:nvSpPr>
+        <p:spPr bwMode="auto">
+          <a:xfrm>
+            <a:off x="307975" y="7937"/>
+            <a:ext cx="304800" cy="304801"/>
+          </a:xfrm>
+          <a:prstGeom prst="rect">
+            <a:avLst/>
+          </a:prstGeom>
+          <a:noFill/>
+          <a:extLst>
+            <a:ext uri="{909E8E84-426E-40DD-AFC4-6F175D3DCCD1}">
+              <a14:hiddenFill xmlns:a14="http://schemas.microsoft.com/office/drawing/2010/main">
+                <a:solidFill>
+                  <a:srgbClr val="FFFFFF"/>
+                </a:solidFill>
+              </a14:hiddenFill>
+            </a:ext>
+          </a:extLst>
+        </p:spPr>
+        <p:txBody>
+          <a:bodyPr vert="horz" wrap="square" lIns="91440" tIns="45720" rIns="91440" bIns="45720" numCol="1" anchor="t" anchorCtr="0" compatLnSpc="1">
+            <a:prstTxWarp prst="textNoShape">
+              <a:avLst/>
+            </a:prstTxWarp>
+          </a:bodyPr>
+          <a:lstStyle/>
+          <a:p>
+            <a:endParaRPr lang="pt-BR"/>
+          </a:p>
+        </p:txBody>
+      </p:sp>
+      <p:pic>
+        <p:nvPicPr>
+          <p:cNvPr id="1032" name="Picture 8" descr="Tubo de ensaio Ícone - Download Grátis, PNG e Vetores"/>
+          <p:cNvPicPr>
+            <a:picLocks noChangeAspect="1" noChangeArrowheads="1"/>
+          </p:cNvPicPr>
+          <p:nvPr/>
+        </p:nvPicPr>
+        <p:blipFill>
+          <a:blip r:embed="rId2">
+            <a:extLst>
+              <a:ext uri="{BEBA8EAE-BF5A-486C-A8C5-ECC9F3942E4B}">
+                <a14:imgProps xmlns:a14="http://schemas.microsoft.com/office/drawing/2010/main">
+                  <a14:imgLayer r:embed="rId3">
+                    <a14:imgEffect>
+                      <a14:backgroundRemoval t="0" b="100000" l="1991" r="98009">
+                        <a14:foregroundMark x1="32522" y1="49779" x2="32522" y2="49779"/>
+                      </a14:backgroundRemoval>
+                    </a14:imgEffect>
+                  </a14:imgLayer>
+                </a14:imgProps>
+              </a:ext>
+              <a:ext uri="{28A0092B-C50C-407E-A947-70E740481C1C}">
+                <a14:useLocalDpi xmlns:a14="http://schemas.microsoft.com/office/drawing/2010/main" val="0"/>
+              </a:ext>
+            </a:extLst>
+          </a:blip>
+          <a:srcRect/>
+          <a:stretch>
+            <a:fillRect/>
+          </a:stretch>
+        </p:blipFill>
+        <p:spPr bwMode="auto">
+          <a:xfrm>
+            <a:off x="155575" y="312738"/>
+            <a:ext cx="2880319" cy="2880320"/>
+          </a:xfrm>
+          <a:prstGeom prst="rect">
+            <a:avLst/>
+          </a:prstGeom>
+          <a:noFill/>
+          <a:extLst>
+            <a:ext uri="{909E8E84-426E-40DD-AFC4-6F175D3DCCD1}">
+              <a14:hiddenFill xmlns:a14="http://schemas.microsoft.com/office/drawing/2010/main">
+                <a:solidFill>
+                  <a:srgbClr val="FFFFFF"/>
+                </a:solidFill>
+              </a14:hiddenFill>
+            </a:ext>
+          </a:extLst>
+        </p:spPr>
+      </p:pic>
+      <p:pic>
+        <p:nvPicPr>
+          <p:cNvPr id="1034" name="Picture 10" descr="Png Gears Cogs - Gear Vector Png, Transparent Png , Transparent Png Image -  PNGitem"/>
+          <p:cNvPicPr>
+            <a:picLocks noChangeAspect="1" noChangeArrowheads="1"/>
+          </p:cNvPicPr>
+          <p:nvPr/>
+        </p:nvPicPr>
+        <p:blipFill>
+          <a:blip r:embed="rId4" cstate="print">
+            <a:extLst>
+              <a:ext uri="{28A0092B-C50C-407E-A947-70E740481C1C}">
+                <a14:useLocalDpi xmlns:a14="http://schemas.microsoft.com/office/drawing/2010/main" val="0"/>
+              </a:ext>
+            </a:extLst>
+          </a:blip>
+          <a:srcRect/>
+          <a:stretch>
+            <a:fillRect/>
+          </a:stretch>
+        </p:blipFill>
+        <p:spPr bwMode="auto">
+          <a:xfrm>
+            <a:off x="3189977" y="178973"/>
+            <a:ext cx="2692735" cy="2817979"/>
+          </a:xfrm>
+          <a:prstGeom prst="rect">
+            <a:avLst/>
+          </a:prstGeom>
+          <a:noFill/>
+          <a:extLst>
+            <a:ext uri="{909E8E84-426E-40DD-AFC4-6F175D3DCCD1}">
+              <a14:hiddenFill xmlns:a14="http://schemas.microsoft.com/office/drawing/2010/main">
+                <a:solidFill>
+                  <a:srgbClr val="FFFFFF"/>
+                </a:solidFill>
+              </a14:hiddenFill>
+            </a:ext>
+          </a:extLst>
+        </p:spPr>
+      </p:pic>
+      <p:pic>
+        <p:nvPicPr>
+          <p:cNvPr id="1036" name="Picture 12" descr="Gear Logo png download - 1024*1024 - Free Transparent Gear png Download. -  CleanPNG / KissPNG"/>
+          <p:cNvPicPr>
+            <a:picLocks noChangeAspect="1" noChangeArrowheads="1"/>
+          </p:cNvPicPr>
+          <p:nvPr/>
+        </p:nvPicPr>
+        <p:blipFill>
+          <a:blip r:embed="rId5">
+            <a:extLst>
+              <a:ext uri="{BEBA8EAE-BF5A-486C-A8C5-ECC9F3942E4B}">
+                <a14:imgProps xmlns:a14="http://schemas.microsoft.com/office/drawing/2010/main">
+                  <a14:imgLayer r:embed="rId6">
+                    <a14:imgEffect>
+                      <a14:backgroundRemoval t="0" b="99556" l="0" r="100000">
+                        <a14:foregroundMark x1="48889" y1="55111" x2="48889" y2="55111"/>
+                      </a14:backgroundRemoval>
+                    </a14:imgEffect>
+                  </a14:imgLayer>
+                </a14:imgProps>
+              </a:ext>
+              <a:ext uri="{28A0092B-C50C-407E-A947-70E740481C1C}">
+                <a14:useLocalDpi xmlns:a14="http://schemas.microsoft.com/office/drawing/2010/main" val="0"/>
+              </a:ext>
+            </a:extLst>
+          </a:blip>
+          <a:srcRect/>
+          <a:stretch>
+            <a:fillRect/>
+          </a:stretch>
+        </p:blipFill>
+        <p:spPr bwMode="auto">
+          <a:xfrm>
+            <a:off x="2699792" y="3223811"/>
+            <a:ext cx="2143125" cy="2143125"/>
+          </a:xfrm>
+          <a:prstGeom prst="rect">
+            <a:avLst/>
+          </a:prstGeom>
+          <a:noFill/>
+          <a:extLst>
+            <a:ext uri="{909E8E84-426E-40DD-AFC4-6F175D3DCCD1}">
+              <a14:hiddenFill xmlns:a14="http://schemas.microsoft.com/office/drawing/2010/main">
+                <a:solidFill>
+                  <a:srgbClr val="FFFFFF"/>
+                </a:solidFill>
+              </a14:hiddenFill>
+            </a:ext>
+          </a:extLst>
+        </p:spPr>
+      </p:pic>
+      <p:pic>
+        <p:nvPicPr>
+          <p:cNvPr id="1038" name="Picture 14" descr="Gear Logo png download - 1024*1024 - Free Transparent Gear png Download. -  CleanPNG / KissPNG"/>
+          <p:cNvPicPr>
+            <a:picLocks noChangeAspect="1" noChangeArrowheads="1"/>
+          </p:cNvPicPr>
+          <p:nvPr/>
+        </p:nvPicPr>
+        <p:blipFill>
+          <a:blip r:embed="rId7">
+            <a:extLst>
+              <a:ext uri="{28A0092B-C50C-407E-A947-70E740481C1C}">
+                <a14:useLocalDpi xmlns:a14="http://schemas.microsoft.com/office/drawing/2010/main" val="0"/>
+              </a:ext>
+            </a:extLst>
+          </a:blip>
+          <a:srcRect/>
+          <a:stretch>
+            <a:fillRect/>
+          </a:stretch>
+        </p:blipFill>
+        <p:spPr bwMode="auto">
+          <a:xfrm>
+            <a:off x="155575" y="-1028700"/>
+            <a:ext cx="2143125" cy="2143125"/>
+          </a:xfrm>
+          <a:prstGeom prst="rect">
+            <a:avLst/>
+          </a:prstGeom>
+          <a:noFill/>
+          <a:extLst>
+            <a:ext uri="{909E8E84-426E-40DD-AFC4-6F175D3DCCD1}">
+              <a14:hiddenFill xmlns:a14="http://schemas.microsoft.com/office/drawing/2010/main">
+                <a:solidFill>
+                  <a:srgbClr val="FFFFFF"/>
+                </a:solidFill>
+              </a14:hiddenFill>
+            </a:ext>
+          </a:extLst>
+        </p:spPr>
+      </p:pic>
+    </p:spTree>
+    <p:extLst>
+      <p:ext uri="{BB962C8B-B14F-4D97-AF65-F5344CB8AC3E}">
+        <p14:creationId xmlns:p14="http://schemas.microsoft.com/office/powerpoint/2010/main" val="3728348986"/>
       </p:ext>
     </p:extLst>
   </p:cSld>
